--- a/ppt/theBigGreen.pptx
+++ b/ppt/theBigGreen.pptx
@@ -6393,7 +6393,8 @@
               </a:schemeClr>
             </a:solidFill>
             <a:prstDash val="sysDash"/>
-            <a:tailEnd type="triangle"/>
+            <a:headEnd type="none" w="med" len="med"/>
+            <a:tailEnd type="arrow" w="med" len="med"/>
           </a:ln>
         </p:spPr>
         <p:style>
@@ -6440,7 +6441,8 @@
               </a:schemeClr>
             </a:solidFill>
             <a:prstDash val="sysDash"/>
-            <a:tailEnd type="triangle"/>
+            <a:headEnd type="none" w="med" len="med"/>
+            <a:tailEnd type="arrow" w="med" len="med"/>
           </a:ln>
         </p:spPr>
         <p:style>
@@ -6607,8 +6609,8 @@
         </p:nvSpPr>
         <p:spPr>
           <a:xfrm>
-            <a:off x="3731080" y="4751262"/>
-            <a:ext cx="2424792" cy="400110"/>
+            <a:off x="3841645" y="2832431"/>
+            <a:ext cx="1814832" cy="400110"/>
           </a:xfrm>
           <a:prstGeom prst="rect">
             <a:avLst/>
@@ -6702,8 +6704,8 @@
         </p:nvSpPr>
         <p:spPr>
           <a:xfrm>
-            <a:off x="6633016" y="274333"/>
-            <a:ext cx="1178528" cy="246221"/>
+            <a:off x="6644293" y="19905"/>
+            <a:ext cx="1178528" cy="553998"/>
           </a:xfrm>
           <a:prstGeom prst="rect">
             <a:avLst/>
@@ -6721,8 +6723,216 @@
               <a:t>Web visualization</a:t>
             </a:r>
           </a:p>
+          <a:p>
+            <a:pPr marL="171450" indent="-171450">
+              <a:buFontTx/>
+              <a:buChar char="-"/>
+            </a:pPr>
+            <a:r>
+              <a:rPr lang="en-US" sz="1000" dirty="0"/>
+              <a:t>Flask</a:t>
+            </a:r>
+          </a:p>
+          <a:p>
+            <a:pPr marL="171450" indent="-171450">
+              <a:buFontTx/>
+              <a:buChar char="-"/>
+            </a:pPr>
+            <a:r>
+              <a:rPr lang="en-US" sz="1000" dirty="0">
+                <a:solidFill>
+                  <a:srgbClr val="FF33CC"/>
+                </a:solidFill>
+              </a:rPr>
+              <a:t>Static html</a:t>
+            </a:r>
+          </a:p>
         </p:txBody>
       </p:sp>
+      <p:sp>
+        <p:nvSpPr>
+          <p:cNvPr id="39" name="Arc 38">
+            <a:extLst>
+              <a:ext uri="{FF2B5EF4-FFF2-40B4-BE49-F238E27FC236}">
+                <a16:creationId xmlns:a16="http://schemas.microsoft.com/office/drawing/2014/main" id="{49236823-4B5A-492E-A5AC-8EDF7A0DC895}"/>
+              </a:ext>
+            </a:extLst>
+          </p:cNvPr>
+          <p:cNvSpPr/>
+          <p:nvPr/>
+        </p:nvSpPr>
+        <p:spPr>
+          <a:xfrm rot="2119576" flipV="1">
+            <a:off x="2444168" y="1590514"/>
+            <a:ext cx="1256428" cy="1005419"/>
+          </a:xfrm>
+          <a:prstGeom prst="arc">
+            <a:avLst/>
+          </a:prstGeom>
+          <a:ln w="19050">
+            <a:solidFill>
+              <a:schemeClr val="tx1">
+                <a:lumMod val="50000"/>
+              </a:schemeClr>
+            </a:solidFill>
+            <a:prstDash val="sysDash"/>
+            <a:headEnd type="arrow" w="med" len="med"/>
+            <a:tailEnd type="none" w="med" len="med"/>
+          </a:ln>
+        </p:spPr>
+        <p:style>
+          <a:lnRef idx="1">
+            <a:schemeClr val="accent1"/>
+          </a:lnRef>
+          <a:fillRef idx="0">
+            <a:schemeClr val="accent1"/>
+          </a:fillRef>
+          <a:effectRef idx="0">
+            <a:schemeClr val="accent1"/>
+          </a:effectRef>
+          <a:fontRef idx="minor">
+            <a:schemeClr val="tx1"/>
+          </a:fontRef>
+        </p:style>
+        <p:txBody>
+          <a:bodyPr rtlCol="0" anchor="ctr"/>
+          <a:lstStyle/>
+          <a:p>
+            <a:pPr algn="ctr"/>
+            <a:endParaRPr lang="en-US"/>
+          </a:p>
+        </p:txBody>
+      </p:sp>
+      <p:cxnSp>
+        <p:nvCxnSpPr>
+          <p:cNvPr id="3" name="Straight Connector 2">
+            <a:extLst>
+              <a:ext uri="{FF2B5EF4-FFF2-40B4-BE49-F238E27FC236}">
+                <a16:creationId xmlns:a16="http://schemas.microsoft.com/office/drawing/2014/main" id="{0EF4ED63-2694-494A-9365-3339BCCC2460}"/>
+              </a:ext>
+            </a:extLst>
+          </p:cNvPr>
+          <p:cNvCxnSpPr>
+            <a:stCxn id="62" idx="2"/>
+          </p:cNvCxnSpPr>
+          <p:nvPr/>
+        </p:nvCxnSpPr>
+        <p:spPr>
+          <a:xfrm>
+            <a:off x="2224568" y="3418903"/>
+            <a:ext cx="0" cy="1642953"/>
+          </a:xfrm>
+          <a:prstGeom prst="line">
+            <a:avLst/>
+          </a:prstGeom>
+          <a:ln w="12700">
+            <a:solidFill>
+              <a:srgbClr val="FF33CC"/>
+            </a:solidFill>
+            <a:prstDash val="dash"/>
+          </a:ln>
+        </p:spPr>
+        <p:style>
+          <a:lnRef idx="1">
+            <a:schemeClr val="accent1"/>
+          </a:lnRef>
+          <a:fillRef idx="0">
+            <a:schemeClr val="accent1"/>
+          </a:fillRef>
+          <a:effectRef idx="0">
+            <a:schemeClr val="accent1"/>
+          </a:effectRef>
+          <a:fontRef idx="minor">
+            <a:schemeClr val="tx1"/>
+          </a:fontRef>
+        </p:style>
+      </p:cxnSp>
+      <p:cxnSp>
+        <p:nvCxnSpPr>
+          <p:cNvPr id="5" name="Straight Connector 4">
+            <a:extLst>
+              <a:ext uri="{FF2B5EF4-FFF2-40B4-BE49-F238E27FC236}">
+                <a16:creationId xmlns:a16="http://schemas.microsoft.com/office/drawing/2014/main" id="{955BC347-6875-4FB2-82DA-010B77A35F54}"/>
+              </a:ext>
+            </a:extLst>
+          </p:cNvPr>
+          <p:cNvCxnSpPr/>
+          <p:nvPr/>
+        </p:nvCxnSpPr>
+        <p:spPr>
+          <a:xfrm>
+            <a:off x="2224568" y="5061856"/>
+            <a:ext cx="5192622" cy="0"/>
+          </a:xfrm>
+          <a:prstGeom prst="line">
+            <a:avLst/>
+          </a:prstGeom>
+          <a:ln w="12700">
+            <a:solidFill>
+              <a:srgbClr val="FF33CC"/>
+            </a:solidFill>
+            <a:prstDash val="dash"/>
+          </a:ln>
+        </p:spPr>
+        <p:style>
+          <a:lnRef idx="1">
+            <a:schemeClr val="accent1"/>
+          </a:lnRef>
+          <a:fillRef idx="0">
+            <a:schemeClr val="accent1"/>
+          </a:fillRef>
+          <a:effectRef idx="0">
+            <a:schemeClr val="accent1"/>
+          </a:effectRef>
+          <a:fontRef idx="minor">
+            <a:schemeClr val="tx1"/>
+          </a:fontRef>
+        </p:style>
+      </p:cxnSp>
+      <p:cxnSp>
+        <p:nvCxnSpPr>
+          <p:cNvPr id="7" name="Straight Arrow Connector 6">
+            <a:extLst>
+              <a:ext uri="{FF2B5EF4-FFF2-40B4-BE49-F238E27FC236}">
+                <a16:creationId xmlns:a16="http://schemas.microsoft.com/office/drawing/2014/main" id="{F3CC1493-D765-4001-BFC8-C33594EA5FFE}"/>
+              </a:ext>
+            </a:extLst>
+          </p:cNvPr>
+          <p:cNvCxnSpPr/>
+          <p:nvPr/>
+        </p:nvCxnSpPr>
+        <p:spPr>
+          <a:xfrm flipV="1">
+            <a:off x="7417190" y="4789197"/>
+            <a:ext cx="0" cy="272659"/>
+          </a:xfrm>
+          <a:prstGeom prst="straightConnector1">
+            <a:avLst/>
+          </a:prstGeom>
+          <a:ln w="12700">
+            <a:solidFill>
+              <a:srgbClr val="FF33CC"/>
+            </a:solidFill>
+            <a:prstDash val="dash"/>
+            <a:headEnd type="none" w="med" len="med"/>
+            <a:tailEnd type="arrow" w="med" len="med"/>
+          </a:ln>
+        </p:spPr>
+        <p:style>
+          <a:lnRef idx="1">
+            <a:schemeClr val="accent1"/>
+          </a:lnRef>
+          <a:fillRef idx="0">
+            <a:schemeClr val="accent1"/>
+          </a:fillRef>
+          <a:effectRef idx="0">
+            <a:schemeClr val="accent1"/>
+          </a:effectRef>
+          <a:fontRef idx="minor">
+            <a:schemeClr val="tx1"/>
+          </a:fontRef>
+        </p:style>
+      </p:cxnSp>
     </p:spTree>
   </p:cSld>
   <p:clrMapOvr>

--- a/ppt/theBigGreen.pptx
+++ b/ppt/theBigGreen.pptx
@@ -8067,6 +8067,57 @@
           </a:prstGeom>
         </p:spPr>
       </p:pic>
+      <p:sp>
+        <p:nvSpPr>
+          <p:cNvPr id="2" name="TextBox 1">
+            <a:extLst>
+              <a:ext uri="{FF2B5EF4-FFF2-40B4-BE49-F238E27FC236}">
+                <a16:creationId xmlns:a16="http://schemas.microsoft.com/office/drawing/2014/main" id="{A9FC8C80-8339-43FD-8596-80DDF011302A}"/>
+              </a:ext>
+            </a:extLst>
+          </p:cNvPr>
+          <p:cNvSpPr txBox="1"/>
+          <p:nvPr/>
+        </p:nvSpPr>
+        <p:spPr>
+          <a:xfrm>
+            <a:off x="258726" y="4498191"/>
+            <a:ext cx="4006225" cy="307777"/>
+          </a:xfrm>
+          <a:prstGeom prst="rect">
+            <a:avLst/>
+          </a:prstGeom>
+          <a:noFill/>
+        </p:spPr>
+        <p:txBody>
+          <a:bodyPr wrap="none" rtlCol="0">
+            <a:spAutoFit/>
+          </a:bodyPr>
+          <a:lstStyle/>
+          <a:p>
+            <a:r>
+              <a:rPr lang="en-US" dirty="0">
+                <a:solidFill>
+                  <a:schemeClr val="bg1"/>
+                </a:solidFill>
+                <a:hlinkClick r:id="rId4">
+                  <a:extLst>
+                    <a:ext uri="{A12FA001-AC4F-418D-AE19-62706E023703}">
+                      <ahyp:hlinkClr xmlns:ahyp="http://schemas.microsoft.com/office/drawing/2018/hyperlinkcolor" val="tx"/>
+                    </a:ext>
+                  </a:extLst>
+                </a:hlinkClick>
+              </a:rPr>
+              <a:t>https://fpwirth.github.io/Data-Analytics-Project-2/</a:t>
+            </a:r>
+            <a:endParaRPr lang="en-US" dirty="0">
+              <a:solidFill>
+                <a:schemeClr val="bg1"/>
+              </a:solidFill>
+            </a:endParaRPr>
+          </a:p>
+        </p:txBody>
+      </p:sp>
     </p:spTree>
   </p:cSld>
   <p:clrMapOvr>

--- a/ppt/theBigGreen.pptx
+++ b/ppt/theBigGreen.pptx
@@ -6475,7 +6475,7 @@
         <p:spPr>
           <a:xfrm>
             <a:off x="200004" y="4066936"/>
-            <a:ext cx="942887" cy="400110"/>
+            <a:ext cx="907621" cy="553998"/>
           </a:xfrm>
           <a:prstGeom prst="rect">
             <a:avLst/>
@@ -6496,7 +6496,13 @@
           <a:p>
             <a:r>
               <a:rPr lang="en-US" sz="1000" dirty="0"/>
-              <a:t>EPA website </a:t>
+              <a:t>EPA website</a:t>
+            </a:r>
+          </a:p>
+          <a:p>
+            <a:r>
+              <a:rPr lang="en-US" sz="1000" dirty="0"/>
+              <a:t>EIA website </a:t>
             </a:r>
           </a:p>
         </p:txBody>
